--- a/SplitPresentation.pptx
+++ b/SplitPresentation.pptx
@@ -317,7 +317,7 @@
           <a:p>
             <a:fld id="{9F879DBE-FD18-3A4C-86D5-B857B73B1C18}" type="datetimeFigureOut">
               <a:rPr lang="en-US" smtClean="0"/>
-              <a:t>12/4/2014</a:t>
+              <a:t>12/5/2014</a:t>
             </a:fld>
             <a:endParaRPr lang="en-US"/>
           </a:p>
@@ -483,7 +483,7 @@
           <a:p>
             <a:fld id="{9F879DBE-FD18-3A4C-86D5-B857B73B1C18}" type="datetimeFigureOut">
               <a:rPr lang="en-US" smtClean="0"/>
-              <a:t>12/4/2014</a:t>
+              <a:t>12/5/2014</a:t>
             </a:fld>
             <a:endParaRPr lang="en-US"/>
           </a:p>
@@ -658,7 +658,7 @@
           <a:p>
             <a:fld id="{9F879DBE-FD18-3A4C-86D5-B857B73B1C18}" type="datetimeFigureOut">
               <a:rPr lang="en-US" smtClean="0"/>
-              <a:t>12/4/2014</a:t>
+              <a:t>12/5/2014</a:t>
             </a:fld>
             <a:endParaRPr lang="en-US"/>
           </a:p>
@@ -823,7 +823,7 @@
           <a:p>
             <a:fld id="{9F879DBE-FD18-3A4C-86D5-B857B73B1C18}" type="datetimeFigureOut">
               <a:rPr lang="en-US" smtClean="0"/>
-              <a:t>12/4/2014</a:t>
+              <a:t>12/5/2014</a:t>
             </a:fld>
             <a:endParaRPr lang="en-US"/>
           </a:p>
@@ -1062,7 +1062,7 @@
           <a:p>
             <a:fld id="{9F879DBE-FD18-3A4C-86D5-B857B73B1C18}" type="datetimeFigureOut">
               <a:rPr lang="en-US" smtClean="0"/>
-              <a:t>12/4/2014</a:t>
+              <a:t>12/5/2014</a:t>
             </a:fld>
             <a:endParaRPr lang="en-US"/>
           </a:p>
@@ -1152,7 +1152,7 @@
           <a:p>
             <a:fld id="{9F879DBE-FD18-3A4C-86D5-B857B73B1C18}" type="datetimeFigureOut">
               <a:rPr lang="en-US" smtClean="0"/>
-              <a:t>12/4/2014</a:t>
+              <a:t>12/5/2014</a:t>
             </a:fld>
             <a:endParaRPr lang="en-US"/>
           </a:p>
@@ -1526,7 +1526,7 @@
           <a:p>
             <a:fld id="{9F879DBE-FD18-3A4C-86D5-B857B73B1C18}" type="datetimeFigureOut">
               <a:rPr lang="en-US" smtClean="0"/>
-              <a:t>12/4/2014</a:t>
+              <a:t>12/5/2014</a:t>
             </a:fld>
             <a:endParaRPr lang="en-US"/>
           </a:p>
@@ -1781,7 +1781,7 @@
           <a:p>
             <a:fld id="{9F879DBE-FD18-3A4C-86D5-B857B73B1C18}" type="datetimeFigureOut">
               <a:rPr lang="en-US" smtClean="0"/>
-              <a:t>12/4/2014</a:t>
+              <a:t>12/5/2014</a:t>
             </a:fld>
             <a:endParaRPr lang="en-US"/>
           </a:p>
@@ -1871,7 +1871,7 @@
           <a:p>
             <a:fld id="{9F879DBE-FD18-3A4C-86D5-B857B73B1C18}" type="datetimeFigureOut">
               <a:rPr lang="en-US" smtClean="0"/>
-              <a:t>12/4/2014</a:t>
+              <a:t>12/5/2014</a:t>
             </a:fld>
             <a:endParaRPr lang="en-US"/>
           </a:p>
@@ -2145,7 +2145,7 @@
           <a:p>
             <a:fld id="{9F879DBE-FD18-3A4C-86D5-B857B73B1C18}" type="datetimeFigureOut">
               <a:rPr lang="en-US" smtClean="0"/>
-              <a:t>12/4/2014</a:t>
+              <a:t>12/5/2014</a:t>
             </a:fld>
             <a:endParaRPr lang="en-US"/>
           </a:p>
@@ -2418,7 +2418,7 @@
           <a:p>
             <a:fld id="{9F879DBE-FD18-3A4C-86D5-B857B73B1C18}" type="datetimeFigureOut">
               <a:rPr lang="en-US" smtClean="0"/>
-              <a:t>12/4/2014</a:t>
+              <a:t>12/5/2014</a:t>
             </a:fld>
             <a:endParaRPr lang="en-US"/>
           </a:p>
@@ -2718,7 +2718,7 @@
           <a:p>
             <a:fld id="{9F879DBE-FD18-3A4C-86D5-B857B73B1C18}" type="datetimeFigureOut">
               <a:rPr lang="en-US" smtClean="0"/>
-              <a:t>12/4/2014</a:t>
+              <a:t>12/5/2014</a:t>
             </a:fld>
             <a:endParaRPr lang="en-US"/>
           </a:p>
@@ -3905,7 +3905,6 @@
               <a:rPr lang="en-US" dirty="0" smtClean="0"/>
               <a:t>Sprint plans – Allows members to estimate how much work each story will be</a:t>
             </a:r>
-            <a:endParaRPr lang="en-US" dirty="0" smtClean="0"/>
           </a:p>
           <a:p>
             <a:endParaRPr lang="en-US" dirty="0" smtClean="0"/>
@@ -4343,6 +4342,110 @@
           </a:prstGeom>
         </p:spPr>
       </p:pic>
+      <p:sp>
+        <p:nvSpPr>
+          <p:cNvPr id="8" name="Rectangle 7"/>
+          <p:cNvSpPr/>
+          <p:nvPr/>
+        </p:nvSpPr>
+        <p:spPr>
+          <a:xfrm>
+            <a:off x="2286000" y="3105835"/>
+            <a:ext cx="4572000" cy="646331"/>
+          </a:xfrm>
+          <a:prstGeom prst="rect">
+            <a:avLst/>
+          </a:prstGeom>
+        </p:spPr>
+        <p:txBody>
+          <a:bodyPr>
+            <a:spAutoFit/>
+          </a:bodyPr>
+          <a:lstStyle/>
+          <a:p>
+            <a:endParaRPr lang="en-US" dirty="0"/>
+          </a:p>
+          <a:p>
+            <a:endParaRPr lang="en-US" dirty="0"/>
+          </a:p>
+        </p:txBody>
+      </p:sp>
+      <p:sp>
+        <p:nvSpPr>
+          <p:cNvPr id="9" name="TextBox 8"/>
+          <p:cNvSpPr txBox="1"/>
+          <p:nvPr/>
+        </p:nvSpPr>
+        <p:spPr>
+          <a:xfrm>
+            <a:off x="3084394" y="237707"/>
+            <a:ext cx="2156346" cy="369332"/>
+          </a:xfrm>
+          <a:prstGeom prst="rect">
+            <a:avLst/>
+          </a:prstGeom>
+          <a:noFill/>
+        </p:spPr>
+        <p:txBody>
+          <a:bodyPr wrap="square" rtlCol="0">
+            <a:spAutoFit/>
+          </a:bodyPr>
+          <a:lstStyle/>
+          <a:p>
+            <a:r>
+              <a:rPr lang="en-US" dirty="0" smtClean="0">
+                <a:solidFill>
+                  <a:schemeClr val="bg1"/>
+                </a:solidFill>
+              </a:rPr>
+              <a:t>     Bills I created</a:t>
+            </a:r>
+            <a:endParaRPr lang="en-US" dirty="0">
+              <a:solidFill>
+                <a:schemeClr val="bg1"/>
+              </a:solidFill>
+            </a:endParaRPr>
+          </a:p>
+        </p:txBody>
+      </p:sp>
+      <p:sp>
+        <p:nvSpPr>
+          <p:cNvPr id="10" name="TextBox 9"/>
+          <p:cNvSpPr txBox="1"/>
+          <p:nvPr/>
+        </p:nvSpPr>
+        <p:spPr>
+          <a:xfrm>
+            <a:off x="3550861" y="3392597"/>
+            <a:ext cx="1223412" cy="369332"/>
+          </a:xfrm>
+          <a:prstGeom prst="rect">
+            <a:avLst/>
+          </a:prstGeom>
+          <a:noFill/>
+        </p:spPr>
+        <p:txBody>
+          <a:bodyPr wrap="none" rtlCol="0">
+            <a:spAutoFit/>
+          </a:bodyPr>
+          <a:lstStyle/>
+          <a:p>
+            <a:r>
+              <a:rPr lang="en-US" dirty="0" smtClean="0">
+                <a:solidFill>
+                  <a:schemeClr val="bg1"/>
+                </a:solidFill>
+              </a:rPr>
+              <a:t>Bills I owe</a:t>
+            </a:r>
+            <a:endParaRPr lang="en-US" dirty="0">
+              <a:solidFill>
+                <a:schemeClr val="bg1"/>
+              </a:solidFill>
+            </a:endParaRPr>
+          </a:p>
+        </p:txBody>
+      </p:sp>
     </p:spTree>
     <p:extLst>
       <p:ext uri="{BB962C8B-B14F-4D97-AF65-F5344CB8AC3E}">
